--- a/UIDEV/UIDEV/img/Template Generator.pptx
+++ b/UIDEV/UIDEV/img/Template Generator.pptx
@@ -6,6 +6,8 @@
   </p:sldMasterIdLst>
   <p:sldIdLst>
     <p:sldId id="256" r:id="rId2"/>
+    <p:sldId id="257" r:id="rId3"/>
+    <p:sldId id="258" r:id="rId4"/>
   </p:sldIdLst>
   <p:sldSz cx="12192000" cy="6858000"/>
   <p:notesSz cx="6858000" cy="9144000"/>
@@ -243,7 +245,7 @@
           <a:p>
             <a:fld id="{2B399753-F11D-4119-A371-E470169F1F5F}" type="datetimeFigureOut">
               <a:rPr lang="en-US" smtClean="0"/>
-              <a:t>7/30/2016</a:t>
+              <a:t>8/4/2016</a:t>
             </a:fld>
             <a:endParaRPr lang="en-US"/>
           </a:p>
@@ -413,7 +415,7 @@
           <a:p>
             <a:fld id="{2B399753-F11D-4119-A371-E470169F1F5F}" type="datetimeFigureOut">
               <a:rPr lang="en-US" smtClean="0"/>
-              <a:t>7/30/2016</a:t>
+              <a:t>8/4/2016</a:t>
             </a:fld>
             <a:endParaRPr lang="en-US"/>
           </a:p>
@@ -593,7 +595,7 @@
           <a:p>
             <a:fld id="{2B399753-F11D-4119-A371-E470169F1F5F}" type="datetimeFigureOut">
               <a:rPr lang="en-US" smtClean="0"/>
-              <a:t>7/30/2016</a:t>
+              <a:t>8/4/2016</a:t>
             </a:fld>
             <a:endParaRPr lang="en-US"/>
           </a:p>
@@ -763,7 +765,7 @@
           <a:p>
             <a:fld id="{2B399753-F11D-4119-A371-E470169F1F5F}" type="datetimeFigureOut">
               <a:rPr lang="en-US" smtClean="0"/>
-              <a:t>7/30/2016</a:t>
+              <a:t>8/4/2016</a:t>
             </a:fld>
             <a:endParaRPr lang="en-US"/>
           </a:p>
@@ -1009,7 +1011,7 @@
           <a:p>
             <a:fld id="{2B399753-F11D-4119-A371-E470169F1F5F}" type="datetimeFigureOut">
               <a:rPr lang="en-US" smtClean="0"/>
-              <a:t>7/30/2016</a:t>
+              <a:t>8/4/2016</a:t>
             </a:fld>
             <a:endParaRPr lang="en-US"/>
           </a:p>
@@ -1241,7 +1243,7 @@
           <a:p>
             <a:fld id="{2B399753-F11D-4119-A371-E470169F1F5F}" type="datetimeFigureOut">
               <a:rPr lang="en-US" smtClean="0"/>
-              <a:t>7/30/2016</a:t>
+              <a:t>8/4/2016</a:t>
             </a:fld>
             <a:endParaRPr lang="en-US"/>
           </a:p>
@@ -1608,7 +1610,7 @@
           <a:p>
             <a:fld id="{2B399753-F11D-4119-A371-E470169F1F5F}" type="datetimeFigureOut">
               <a:rPr lang="en-US" smtClean="0"/>
-              <a:t>7/30/2016</a:t>
+              <a:t>8/4/2016</a:t>
             </a:fld>
             <a:endParaRPr lang="en-US"/>
           </a:p>
@@ -1726,7 +1728,7 @@
           <a:p>
             <a:fld id="{2B399753-F11D-4119-A371-E470169F1F5F}" type="datetimeFigureOut">
               <a:rPr lang="en-US" smtClean="0"/>
-              <a:t>7/30/2016</a:t>
+              <a:t>8/4/2016</a:t>
             </a:fld>
             <a:endParaRPr lang="en-US"/>
           </a:p>
@@ -1821,7 +1823,7 @@
           <a:p>
             <a:fld id="{2B399753-F11D-4119-A371-E470169F1F5F}" type="datetimeFigureOut">
               <a:rPr lang="en-US" smtClean="0"/>
-              <a:t>7/30/2016</a:t>
+              <a:t>8/4/2016</a:t>
             </a:fld>
             <a:endParaRPr lang="en-US"/>
           </a:p>
@@ -2098,7 +2100,7 @@
           <a:p>
             <a:fld id="{2B399753-F11D-4119-A371-E470169F1F5F}" type="datetimeFigureOut">
               <a:rPr lang="en-US" smtClean="0"/>
-              <a:t>7/30/2016</a:t>
+              <a:t>8/4/2016</a:t>
             </a:fld>
             <a:endParaRPr lang="en-US"/>
           </a:p>
@@ -2351,7 +2353,7 @@
           <a:p>
             <a:fld id="{2B399753-F11D-4119-A371-E470169F1F5F}" type="datetimeFigureOut">
               <a:rPr lang="en-US" smtClean="0"/>
-              <a:t>7/30/2016</a:t>
+              <a:t>8/4/2016</a:t>
             </a:fld>
             <a:endParaRPr lang="en-US"/>
           </a:p>
@@ -2564,7 +2566,7 @@
           <a:p>
             <a:fld id="{2B399753-F11D-4119-A371-E470169F1F5F}" type="datetimeFigureOut">
               <a:rPr lang="en-US" smtClean="0"/>
-              <a:t>7/30/2016</a:t>
+              <a:t>8/4/2016</a:t>
             </a:fld>
             <a:endParaRPr lang="en-US"/>
           </a:p>
@@ -2977,7 +2979,7 @@
         </p:nvSpPr>
         <p:spPr>
           <a:xfrm>
-            <a:off x="1533832" y="-812799"/>
+            <a:off x="1606109" y="-812799"/>
             <a:ext cx="16855768" cy="11176000"/>
           </a:xfrm>
           <a:prstGeom prst="rect">
@@ -4306,8 +4308,8 @@
         </p:nvSpPr>
         <p:spPr>
           <a:xfrm>
-            <a:off x="1776076" y="9034861"/>
-            <a:ext cx="4039311" cy="1121626"/>
+            <a:off x="9251387" y="4555805"/>
+            <a:ext cx="6545526" cy="5328424"/>
           </a:xfrm>
           <a:prstGeom prst="roundRect">
             <a:avLst>
@@ -4353,7 +4355,7 @@
         </p:nvSpPr>
         <p:spPr>
           <a:xfrm>
-            <a:off x="1663372" y="8480863"/>
+            <a:off x="9371854" y="4014761"/>
             <a:ext cx="895310" cy="276999"/>
           </a:xfrm>
           <a:prstGeom prst="rect">
@@ -4412,12 +4414,12 @@
         </p:nvSpPr>
         <p:spPr>
           <a:xfrm>
-            <a:off x="1776076" y="8757862"/>
-            <a:ext cx="3135388" cy="221902"/>
+            <a:off x="9388761" y="4278807"/>
+            <a:ext cx="5575467" cy="239218"/>
           </a:xfrm>
           <a:prstGeom prst="roundRect">
             <a:avLst>
-              <a:gd name="adj" fmla="val 3089"/>
+              <a:gd name="adj" fmla="val 33136"/>
             </a:avLst>
           </a:prstGeom>
           <a:ln>
@@ -4459,7 +4461,7 @@
         </p:nvSpPr>
         <p:spPr>
           <a:xfrm>
-            <a:off x="1744428" y="8757862"/>
+            <a:off x="9472356" y="4285879"/>
             <a:ext cx="293670" cy="246221"/>
           </a:xfrm>
           <a:prstGeom prst="rect">
@@ -4610,10 +4612,199 @@
           </a:p>
         </p:txBody>
       </p:sp>
+      <p:sp>
+        <p:nvSpPr>
+          <p:cNvPr id="40" name="Rounded Rectangle 39"/>
+          <p:cNvSpPr/>
+          <p:nvPr/>
+        </p:nvSpPr>
+        <p:spPr>
+          <a:xfrm>
+            <a:off x="11494757" y="348040"/>
+            <a:ext cx="5315104" cy="3104770"/>
+          </a:xfrm>
+          <a:prstGeom prst="roundRect">
+            <a:avLst>
+              <a:gd name="adj" fmla="val 3089"/>
+            </a:avLst>
+          </a:prstGeom>
+          <a:ln>
+            <a:solidFill>
+              <a:schemeClr val="accent4">
+                <a:lumMod val="75000"/>
+              </a:schemeClr>
+            </a:solidFill>
+          </a:ln>
+        </p:spPr>
+        <p:style>
+          <a:lnRef idx="2">
+            <a:schemeClr val="dk1">
+              <a:shade val="50000"/>
+            </a:schemeClr>
+          </a:lnRef>
+          <a:fillRef idx="1">
+            <a:schemeClr val="dk1"/>
+          </a:fillRef>
+          <a:effectRef idx="0">
+            <a:schemeClr val="dk1"/>
+          </a:effectRef>
+          <a:fontRef idx="minor">
+            <a:schemeClr val="lt1"/>
+          </a:fontRef>
+        </p:style>
+        <p:txBody>
+          <a:bodyPr rtlCol="0" anchor="ctr"/>
+          <a:lstStyle/>
+          <a:p>
+            <a:pPr algn="ctr"/>
+            <a:endParaRPr lang="en-US"/>
+          </a:p>
+        </p:txBody>
+      </p:sp>
     </p:spTree>
     <p:extLst>
       <p:ext uri="{BB962C8B-B14F-4D97-AF65-F5344CB8AC3E}">
         <p14:creationId xmlns:p14="http://schemas.microsoft.com/office/powerpoint/2010/main" val="459354100"/>
+      </p:ext>
+    </p:extLst>
+  </p:cSld>
+  <p:clrMapOvr>
+    <a:masterClrMapping/>
+  </p:clrMapOvr>
+  <p:timing>
+    <p:tnLst>
+      <p:par>
+        <p:cTn id="1" dur="indefinite" restart="never" nodeType="tmRoot"/>
+      </p:par>
+    </p:tnLst>
+  </p:timing>
+</p:sld>
+</file>
+
+<file path=ppt/slides/slide2.xml><?xml version="1.0" encoding="utf-8"?>
+<p:sld xmlns:a="http://schemas.openxmlformats.org/drawingml/2006/main" xmlns:r="http://schemas.openxmlformats.org/officeDocument/2006/relationships" xmlns:p="http://schemas.openxmlformats.org/presentationml/2006/main">
+  <p:cSld>
+    <p:spTree>
+      <p:nvGrpSpPr>
+        <p:cNvPr id="1" name=""/>
+        <p:cNvGrpSpPr/>
+        <p:nvPr/>
+      </p:nvGrpSpPr>
+      <p:grpSpPr>
+        <a:xfrm>
+          <a:off x="0" y="0"/>
+          <a:ext cx="0" cy="0"/>
+          <a:chOff x="0" y="0"/>
+          <a:chExt cx="0" cy="0"/>
+        </a:xfrm>
+      </p:grpSpPr>
+      <p:pic>
+        <p:nvPicPr>
+          <p:cNvPr id="1026" name="Picture 2" descr="http://blogs.longwood.edu/cannon479/files/2013/01/toggle_switch_1.jpg"/>
+          <p:cNvPicPr>
+            <a:picLocks noChangeAspect="1" noChangeArrowheads="1"/>
+          </p:cNvPicPr>
+          <p:nvPr/>
+        </p:nvPicPr>
+        <p:blipFill rotWithShape="1">
+          <a:blip r:embed="rId2">
+            <a:extLst>
+              <a:ext uri="{28A0092B-C50C-407E-A947-70E740481C1C}">
+                <a14:useLocalDpi xmlns:a14="http://schemas.microsoft.com/office/drawing/2010/main" val="0"/>
+              </a:ext>
+            </a:extLst>
+          </a:blip>
+          <a:srcRect l="8858" t="4396" r="53241" b="4163"/>
+          <a:stretch/>
+        </p:blipFill>
+        <p:spPr bwMode="auto">
+          <a:xfrm>
+            <a:off x="2117838" y="1451609"/>
+            <a:ext cx="1895302" cy="3118096"/>
+          </a:xfrm>
+          <a:prstGeom prst="rect">
+            <a:avLst/>
+          </a:prstGeom>
+          <a:noFill/>
+          <a:extLst>
+            <a:ext uri="{909E8E84-426E-40DD-AFC4-6F175D3DCCD1}">
+              <a14:hiddenFill xmlns:a14="http://schemas.microsoft.com/office/drawing/2010/main">
+                <a:solidFill>
+                  <a:srgbClr val="FFFFFF"/>
+                </a:solidFill>
+              </a14:hiddenFill>
+            </a:ext>
+          </a:extLst>
+        </p:spPr>
+      </p:pic>
+      <p:pic>
+        <p:nvPicPr>
+          <p:cNvPr id="11" name="Picture 10"/>
+          <p:cNvPicPr>
+            <a:picLocks noChangeAspect="1"/>
+          </p:cNvPicPr>
+          <p:nvPr/>
+        </p:nvPicPr>
+        <p:blipFill>
+          <a:blip r:embed="rId3"/>
+          <a:stretch>
+            <a:fillRect/>
+          </a:stretch>
+        </p:blipFill>
+        <p:spPr>
+          <a:xfrm>
+            <a:off x="4618043" y="1454595"/>
+            <a:ext cx="1895740" cy="3115110"/>
+          </a:xfrm>
+          <a:prstGeom prst="rect">
+            <a:avLst/>
+          </a:prstGeom>
+          <a:effectLst>
+            <a:softEdge rad="0"/>
+          </a:effectLst>
+        </p:spPr>
+      </p:pic>
+    </p:spTree>
+    <p:extLst>
+      <p:ext uri="{BB962C8B-B14F-4D97-AF65-F5344CB8AC3E}">
+        <p14:creationId xmlns:p14="http://schemas.microsoft.com/office/powerpoint/2010/main" val="1657422832"/>
+      </p:ext>
+    </p:extLst>
+  </p:cSld>
+  <p:clrMapOvr>
+    <a:masterClrMapping/>
+  </p:clrMapOvr>
+  <p:timing>
+    <p:tnLst>
+      <p:par>
+        <p:cTn id="1" dur="indefinite" restart="never" nodeType="tmRoot"/>
+      </p:par>
+    </p:tnLst>
+  </p:timing>
+</p:sld>
+</file>
+
+<file path=ppt/slides/slide3.xml><?xml version="1.0" encoding="utf-8"?>
+<p:sld xmlns:a="http://schemas.openxmlformats.org/drawingml/2006/main" xmlns:r="http://schemas.openxmlformats.org/officeDocument/2006/relationships" xmlns:p="http://schemas.openxmlformats.org/presentationml/2006/main">
+  <p:cSld>
+    <p:spTree>
+      <p:nvGrpSpPr>
+        <p:cNvPr id="1" name=""/>
+        <p:cNvGrpSpPr/>
+        <p:nvPr/>
+      </p:nvGrpSpPr>
+      <p:grpSpPr>
+        <a:xfrm>
+          <a:off x="0" y="0"/>
+          <a:ext cx="0" cy="0"/>
+          <a:chOff x="0" y="0"/>
+          <a:chExt cx="0" cy="0"/>
+        </a:xfrm>
+      </p:grpSpPr>
+    </p:spTree>
+    <p:extLst>
+      <p:ext uri="{BB962C8B-B14F-4D97-AF65-F5344CB8AC3E}">
+        <p14:creationId xmlns:p14="http://schemas.microsoft.com/office/powerpoint/2010/main" val="3916009955"/>
       </p:ext>
     </p:extLst>
   </p:cSld>
